--- a/unit_2/mockup.pptx
+++ b/unit_2/mockup.pptx
@@ -238,7 +238,8 @@
           <a:p>
             <a:fld id="{FB8E5647-C8C7-4B31-9EDE-D0D20F092952}" type="datetimeFigureOut">
               <a:rPr lang="en-US" smtClean="0"/>
-              <a:t>10/25/2017</a:t>
+              <a:pPr/>
+              <a:t>11/15/2017</a:t>
             </a:fld>
             <a:endParaRPr lang="en-US"/>
           </a:p>
@@ -280,6 +281,7 @@
           <a:p>
             <a:fld id="{093B5D6F-EEDE-4468-AB8B-3F37C7A8DE56}" type="slidenum">
               <a:rPr lang="en-US" smtClean="0"/>
+              <a:pPr/>
               <a:t>‹#›</a:t>
             </a:fld>
             <a:endParaRPr lang="en-US"/>
@@ -289,7 +291,7 @@
     </p:spTree>
     <p:extLst>
       <p:ext uri="{BB962C8B-B14F-4D97-AF65-F5344CB8AC3E}">
-        <p14:creationId xmlns:p14="http://schemas.microsoft.com/office/powerpoint/2010/main" val="4192508808"/>
+        <p14:creationId xmlns:p14="http://schemas.microsoft.com/office/powerpoint/2010/main" xmlns="" val="4192508808"/>
       </p:ext>
     </p:extLst>
   </p:cSld>
@@ -408,7 +410,8 @@
           <a:p>
             <a:fld id="{FB8E5647-C8C7-4B31-9EDE-D0D20F092952}" type="datetimeFigureOut">
               <a:rPr lang="en-US" smtClean="0"/>
-              <a:t>10/25/2017</a:t>
+              <a:pPr/>
+              <a:t>11/15/2017</a:t>
             </a:fld>
             <a:endParaRPr lang="en-US"/>
           </a:p>
@@ -450,6 +453,7 @@
           <a:p>
             <a:fld id="{093B5D6F-EEDE-4468-AB8B-3F37C7A8DE56}" type="slidenum">
               <a:rPr lang="en-US" smtClean="0"/>
+              <a:pPr/>
               <a:t>‹#›</a:t>
             </a:fld>
             <a:endParaRPr lang="en-US"/>
@@ -459,7 +463,7 @@
     </p:spTree>
     <p:extLst>
       <p:ext uri="{BB962C8B-B14F-4D97-AF65-F5344CB8AC3E}">
-        <p14:creationId xmlns:p14="http://schemas.microsoft.com/office/powerpoint/2010/main" val="1752271127"/>
+        <p14:creationId xmlns:p14="http://schemas.microsoft.com/office/powerpoint/2010/main" xmlns="" val="1752271127"/>
       </p:ext>
     </p:extLst>
   </p:cSld>
@@ -588,7 +592,8 @@
           <a:p>
             <a:fld id="{FB8E5647-C8C7-4B31-9EDE-D0D20F092952}" type="datetimeFigureOut">
               <a:rPr lang="en-US" smtClean="0"/>
-              <a:t>10/25/2017</a:t>
+              <a:pPr/>
+              <a:t>11/15/2017</a:t>
             </a:fld>
             <a:endParaRPr lang="en-US"/>
           </a:p>
@@ -630,6 +635,7 @@
           <a:p>
             <a:fld id="{093B5D6F-EEDE-4468-AB8B-3F37C7A8DE56}" type="slidenum">
               <a:rPr lang="en-US" smtClean="0"/>
+              <a:pPr/>
               <a:t>‹#›</a:t>
             </a:fld>
             <a:endParaRPr lang="en-US"/>
@@ -639,7 +645,7 @@
     </p:spTree>
     <p:extLst>
       <p:ext uri="{BB962C8B-B14F-4D97-AF65-F5344CB8AC3E}">
-        <p14:creationId xmlns:p14="http://schemas.microsoft.com/office/powerpoint/2010/main" val="1769892099"/>
+        <p14:creationId xmlns:p14="http://schemas.microsoft.com/office/powerpoint/2010/main" xmlns="" val="1769892099"/>
       </p:ext>
     </p:extLst>
   </p:cSld>
@@ -758,7 +764,8 @@
           <a:p>
             <a:fld id="{FB8E5647-C8C7-4B31-9EDE-D0D20F092952}" type="datetimeFigureOut">
               <a:rPr lang="en-US" smtClean="0"/>
-              <a:t>10/25/2017</a:t>
+              <a:pPr/>
+              <a:t>11/15/2017</a:t>
             </a:fld>
             <a:endParaRPr lang="en-US"/>
           </a:p>
@@ -800,6 +807,7 @@
           <a:p>
             <a:fld id="{093B5D6F-EEDE-4468-AB8B-3F37C7A8DE56}" type="slidenum">
               <a:rPr lang="en-US" smtClean="0"/>
+              <a:pPr/>
               <a:t>‹#›</a:t>
             </a:fld>
             <a:endParaRPr lang="en-US"/>
@@ -809,7 +817,7 @@
     </p:spTree>
     <p:extLst>
       <p:ext uri="{BB962C8B-B14F-4D97-AF65-F5344CB8AC3E}">
-        <p14:creationId xmlns:p14="http://schemas.microsoft.com/office/powerpoint/2010/main" val="1983029827"/>
+        <p14:creationId xmlns:p14="http://schemas.microsoft.com/office/powerpoint/2010/main" xmlns="" val="1983029827"/>
       </p:ext>
     </p:extLst>
   </p:cSld>
@@ -1004,7 +1012,8 @@
           <a:p>
             <a:fld id="{FB8E5647-C8C7-4B31-9EDE-D0D20F092952}" type="datetimeFigureOut">
               <a:rPr lang="en-US" smtClean="0"/>
-              <a:t>10/25/2017</a:t>
+              <a:pPr/>
+              <a:t>11/15/2017</a:t>
             </a:fld>
             <a:endParaRPr lang="en-US"/>
           </a:p>
@@ -1046,6 +1055,7 @@
           <a:p>
             <a:fld id="{093B5D6F-EEDE-4468-AB8B-3F37C7A8DE56}" type="slidenum">
               <a:rPr lang="en-US" smtClean="0"/>
+              <a:pPr/>
               <a:t>‹#›</a:t>
             </a:fld>
             <a:endParaRPr lang="en-US"/>
@@ -1055,7 +1065,7 @@
     </p:spTree>
     <p:extLst>
       <p:ext uri="{BB962C8B-B14F-4D97-AF65-F5344CB8AC3E}">
-        <p14:creationId xmlns:p14="http://schemas.microsoft.com/office/powerpoint/2010/main" val="4071338151"/>
+        <p14:creationId xmlns:p14="http://schemas.microsoft.com/office/powerpoint/2010/main" xmlns="" val="4071338151"/>
       </p:ext>
     </p:extLst>
   </p:cSld>
@@ -1236,7 +1246,8 @@
           <a:p>
             <a:fld id="{FB8E5647-C8C7-4B31-9EDE-D0D20F092952}" type="datetimeFigureOut">
               <a:rPr lang="en-US" smtClean="0"/>
-              <a:t>10/25/2017</a:t>
+              <a:pPr/>
+              <a:t>11/15/2017</a:t>
             </a:fld>
             <a:endParaRPr lang="en-US"/>
           </a:p>
@@ -1278,6 +1289,7 @@
           <a:p>
             <a:fld id="{093B5D6F-EEDE-4468-AB8B-3F37C7A8DE56}" type="slidenum">
               <a:rPr lang="en-US" smtClean="0"/>
+              <a:pPr/>
               <a:t>‹#›</a:t>
             </a:fld>
             <a:endParaRPr lang="en-US"/>
@@ -1287,7 +1299,7 @@
     </p:spTree>
     <p:extLst>
       <p:ext uri="{BB962C8B-B14F-4D97-AF65-F5344CB8AC3E}">
-        <p14:creationId xmlns:p14="http://schemas.microsoft.com/office/powerpoint/2010/main" val="3242083817"/>
+        <p14:creationId xmlns:p14="http://schemas.microsoft.com/office/powerpoint/2010/main" xmlns="" val="3242083817"/>
       </p:ext>
     </p:extLst>
   </p:cSld>
@@ -1603,7 +1615,8 @@
           <a:p>
             <a:fld id="{FB8E5647-C8C7-4B31-9EDE-D0D20F092952}" type="datetimeFigureOut">
               <a:rPr lang="en-US" smtClean="0"/>
-              <a:t>10/25/2017</a:t>
+              <a:pPr/>
+              <a:t>11/15/2017</a:t>
             </a:fld>
             <a:endParaRPr lang="en-US"/>
           </a:p>
@@ -1645,6 +1658,7 @@
           <a:p>
             <a:fld id="{093B5D6F-EEDE-4468-AB8B-3F37C7A8DE56}" type="slidenum">
               <a:rPr lang="en-US" smtClean="0"/>
+              <a:pPr/>
               <a:t>‹#›</a:t>
             </a:fld>
             <a:endParaRPr lang="en-US"/>
@@ -1654,7 +1668,7 @@
     </p:spTree>
     <p:extLst>
       <p:ext uri="{BB962C8B-B14F-4D97-AF65-F5344CB8AC3E}">
-        <p14:creationId xmlns:p14="http://schemas.microsoft.com/office/powerpoint/2010/main" val="1052616745"/>
+        <p14:creationId xmlns:p14="http://schemas.microsoft.com/office/powerpoint/2010/main" xmlns="" val="1052616745"/>
       </p:ext>
     </p:extLst>
   </p:cSld>
@@ -1721,7 +1735,8 @@
           <a:p>
             <a:fld id="{FB8E5647-C8C7-4B31-9EDE-D0D20F092952}" type="datetimeFigureOut">
               <a:rPr lang="en-US" smtClean="0"/>
-              <a:t>10/25/2017</a:t>
+              <a:pPr/>
+              <a:t>11/15/2017</a:t>
             </a:fld>
             <a:endParaRPr lang="en-US"/>
           </a:p>
@@ -1763,6 +1778,7 @@
           <a:p>
             <a:fld id="{093B5D6F-EEDE-4468-AB8B-3F37C7A8DE56}" type="slidenum">
               <a:rPr lang="en-US" smtClean="0"/>
+              <a:pPr/>
               <a:t>‹#›</a:t>
             </a:fld>
             <a:endParaRPr lang="en-US"/>
@@ -1772,7 +1788,7 @@
     </p:spTree>
     <p:extLst>
       <p:ext uri="{BB962C8B-B14F-4D97-AF65-F5344CB8AC3E}">
-        <p14:creationId xmlns:p14="http://schemas.microsoft.com/office/powerpoint/2010/main" val="374260827"/>
+        <p14:creationId xmlns:p14="http://schemas.microsoft.com/office/powerpoint/2010/main" xmlns="" val="374260827"/>
       </p:ext>
     </p:extLst>
   </p:cSld>
@@ -1816,7 +1832,8 @@
           <a:p>
             <a:fld id="{FB8E5647-C8C7-4B31-9EDE-D0D20F092952}" type="datetimeFigureOut">
               <a:rPr lang="en-US" smtClean="0"/>
-              <a:t>10/25/2017</a:t>
+              <a:pPr/>
+              <a:t>11/15/2017</a:t>
             </a:fld>
             <a:endParaRPr lang="en-US"/>
           </a:p>
@@ -1858,6 +1875,7 @@
           <a:p>
             <a:fld id="{093B5D6F-EEDE-4468-AB8B-3F37C7A8DE56}" type="slidenum">
               <a:rPr lang="en-US" smtClean="0"/>
+              <a:pPr/>
               <a:t>‹#›</a:t>
             </a:fld>
             <a:endParaRPr lang="en-US"/>
@@ -1867,7 +1885,7 @@
     </p:spTree>
     <p:extLst>
       <p:ext uri="{BB962C8B-B14F-4D97-AF65-F5344CB8AC3E}">
-        <p14:creationId xmlns:p14="http://schemas.microsoft.com/office/powerpoint/2010/main" val="4115806863"/>
+        <p14:creationId xmlns:p14="http://schemas.microsoft.com/office/powerpoint/2010/main" xmlns="" val="4115806863"/>
       </p:ext>
     </p:extLst>
   </p:cSld>
@@ -2093,7 +2111,8 @@
           <a:p>
             <a:fld id="{FB8E5647-C8C7-4B31-9EDE-D0D20F092952}" type="datetimeFigureOut">
               <a:rPr lang="en-US" smtClean="0"/>
-              <a:t>10/25/2017</a:t>
+              <a:pPr/>
+              <a:t>11/15/2017</a:t>
             </a:fld>
             <a:endParaRPr lang="en-US"/>
           </a:p>
@@ -2135,6 +2154,7 @@
           <a:p>
             <a:fld id="{093B5D6F-EEDE-4468-AB8B-3F37C7A8DE56}" type="slidenum">
               <a:rPr lang="en-US" smtClean="0"/>
+              <a:pPr/>
               <a:t>‹#›</a:t>
             </a:fld>
             <a:endParaRPr lang="en-US"/>
@@ -2144,7 +2164,7 @@
     </p:spTree>
     <p:extLst>
       <p:ext uri="{BB962C8B-B14F-4D97-AF65-F5344CB8AC3E}">
-        <p14:creationId xmlns:p14="http://schemas.microsoft.com/office/powerpoint/2010/main" val="3842663116"/>
+        <p14:creationId xmlns:p14="http://schemas.microsoft.com/office/powerpoint/2010/main" xmlns="" val="3842663116"/>
       </p:ext>
     </p:extLst>
   </p:cSld>
@@ -2346,7 +2366,8 @@
           <a:p>
             <a:fld id="{FB8E5647-C8C7-4B31-9EDE-D0D20F092952}" type="datetimeFigureOut">
               <a:rPr lang="en-US" smtClean="0"/>
-              <a:t>10/25/2017</a:t>
+              <a:pPr/>
+              <a:t>11/15/2017</a:t>
             </a:fld>
             <a:endParaRPr lang="en-US"/>
           </a:p>
@@ -2388,6 +2409,7 @@
           <a:p>
             <a:fld id="{093B5D6F-EEDE-4468-AB8B-3F37C7A8DE56}" type="slidenum">
               <a:rPr lang="en-US" smtClean="0"/>
+              <a:pPr/>
               <a:t>‹#›</a:t>
             </a:fld>
             <a:endParaRPr lang="en-US"/>
@@ -2397,7 +2419,7 @@
     </p:spTree>
     <p:extLst>
       <p:ext uri="{BB962C8B-B14F-4D97-AF65-F5344CB8AC3E}">
-        <p14:creationId xmlns:p14="http://schemas.microsoft.com/office/powerpoint/2010/main" val="4242871919"/>
+        <p14:creationId xmlns:p14="http://schemas.microsoft.com/office/powerpoint/2010/main" xmlns="" val="4242871919"/>
       </p:ext>
     </p:extLst>
   </p:cSld>
@@ -2559,7 +2581,8 @@
           <a:p>
             <a:fld id="{FB8E5647-C8C7-4B31-9EDE-D0D20F092952}" type="datetimeFigureOut">
               <a:rPr lang="en-US" smtClean="0"/>
-              <a:t>10/25/2017</a:t>
+              <a:pPr/>
+              <a:t>11/15/2017</a:t>
             </a:fld>
             <a:endParaRPr lang="en-US"/>
           </a:p>
@@ -2637,6 +2660,7 @@
           <a:p>
             <a:fld id="{093B5D6F-EEDE-4468-AB8B-3F37C7A8DE56}" type="slidenum">
               <a:rPr lang="en-US" smtClean="0"/>
+              <a:pPr/>
               <a:t>‹#›</a:t>
             </a:fld>
             <a:endParaRPr lang="en-US"/>
@@ -2646,7 +2670,7 @@
     </p:spTree>
     <p:extLst>
       <p:ext uri="{BB962C8B-B14F-4D97-AF65-F5344CB8AC3E}">
-        <p14:creationId xmlns:p14="http://schemas.microsoft.com/office/powerpoint/2010/main" val="1854797932"/>
+        <p14:creationId xmlns:p14="http://schemas.microsoft.com/office/powerpoint/2010/main" xmlns="" val="1854797932"/>
       </p:ext>
     </p:extLst>
   </p:cSld>
@@ -2973,7 +2997,7 @@
           <p:nvPr/>
         </p:nvPicPr>
         <p:blipFill rotWithShape="1">
-          <a:blip r:embed="rId2"/>
+          <a:blip r:embed="rId2" cstate="print"/>
           <a:srcRect l="70527" t="12644" r="3793" b="3432"/>
           <a:stretch/>
         </p:blipFill>
@@ -2992,10 +3016,359 @@
           </a:ln>
         </p:spPr>
       </p:pic>
+      <p:sp>
+        <p:nvSpPr>
+          <p:cNvPr id="3" name="TextBox 2"/>
+          <p:cNvSpPr txBox="1"/>
+          <p:nvPr/>
+        </p:nvSpPr>
+        <p:spPr>
+          <a:xfrm>
+            <a:off x="3810115" y="1610379"/>
+            <a:ext cx="4837176" cy="369332"/>
+          </a:xfrm>
+          <a:prstGeom prst="rect">
+            <a:avLst/>
+          </a:prstGeom>
+          <a:noFill/>
+        </p:spPr>
+        <p:txBody>
+          <a:bodyPr wrap="square" rtlCol="0">
+            <a:spAutoFit/>
+          </a:bodyPr>
+          <a:lstStyle/>
+          <a:p>
+            <a:pPr algn="ctr"/>
+            <a:r>
+              <a:rPr lang="en-GB" dirty="0" smtClean="0">
+                <a:solidFill>
+                  <a:srgbClr val="0000FF"/>
+                </a:solidFill>
+              </a:rPr>
+              <a:t>HEADER</a:t>
+            </a:r>
+            <a:endParaRPr lang="en-US" dirty="0">
+              <a:solidFill>
+                <a:srgbClr val="0000FF"/>
+              </a:solidFill>
+            </a:endParaRPr>
+          </a:p>
+        </p:txBody>
+      </p:sp>
+      <p:sp>
+        <p:nvSpPr>
+          <p:cNvPr id="4" name="TextBox 3"/>
+          <p:cNvSpPr txBox="1"/>
+          <p:nvPr/>
+        </p:nvSpPr>
+        <p:spPr>
+          <a:xfrm>
+            <a:off x="3746854" y="2504650"/>
+            <a:ext cx="4837176" cy="369332"/>
+          </a:xfrm>
+          <a:prstGeom prst="rect">
+            <a:avLst/>
+          </a:prstGeom>
+          <a:noFill/>
+        </p:spPr>
+        <p:txBody>
+          <a:bodyPr wrap="square" rtlCol="0">
+            <a:spAutoFit/>
+          </a:bodyPr>
+          <a:lstStyle/>
+          <a:p>
+            <a:pPr algn="ctr"/>
+            <a:r>
+              <a:rPr lang="en-GB" dirty="0" smtClean="0">
+                <a:solidFill>
+                  <a:srgbClr val="0000FF"/>
+                </a:solidFill>
+              </a:rPr>
+              <a:t>NAV</a:t>
+            </a:r>
+            <a:endParaRPr lang="en-US" dirty="0">
+              <a:solidFill>
+                <a:srgbClr val="0000FF"/>
+              </a:solidFill>
+            </a:endParaRPr>
+          </a:p>
+        </p:txBody>
+      </p:sp>
+      <p:sp>
+        <p:nvSpPr>
+          <p:cNvPr id="5" name="TextBox 4"/>
+          <p:cNvSpPr txBox="1"/>
+          <p:nvPr/>
+        </p:nvSpPr>
+        <p:spPr>
+          <a:xfrm>
+            <a:off x="3936635" y="4238472"/>
+            <a:ext cx="1532511" cy="369332"/>
+          </a:xfrm>
+          <a:prstGeom prst="rect">
+            <a:avLst/>
+          </a:prstGeom>
+          <a:noFill/>
+        </p:spPr>
+        <p:txBody>
+          <a:bodyPr wrap="square" rtlCol="0">
+            <a:spAutoFit/>
+          </a:bodyPr>
+          <a:lstStyle/>
+          <a:p>
+            <a:pPr algn="ctr"/>
+            <a:r>
+              <a:rPr lang="en-GB" dirty="0" smtClean="0">
+                <a:solidFill>
+                  <a:srgbClr val="0000FF"/>
+                </a:solidFill>
+              </a:rPr>
+              <a:t>ASIDE</a:t>
+            </a:r>
+            <a:endParaRPr lang="en-US" dirty="0">
+              <a:solidFill>
+                <a:srgbClr val="0000FF"/>
+              </a:solidFill>
+            </a:endParaRPr>
+          </a:p>
+        </p:txBody>
+      </p:sp>
+      <p:sp>
+        <p:nvSpPr>
+          <p:cNvPr id="6" name="TextBox 5"/>
+          <p:cNvSpPr txBox="1"/>
+          <p:nvPr/>
+        </p:nvSpPr>
+        <p:spPr>
+          <a:xfrm>
+            <a:off x="6737344" y="4330487"/>
+            <a:ext cx="1532511" cy="369332"/>
+          </a:xfrm>
+          <a:prstGeom prst="rect">
+            <a:avLst/>
+          </a:prstGeom>
+          <a:noFill/>
+        </p:spPr>
+        <p:txBody>
+          <a:bodyPr wrap="square" rtlCol="0">
+            <a:spAutoFit/>
+          </a:bodyPr>
+          <a:lstStyle/>
+          <a:p>
+            <a:pPr algn="ctr"/>
+            <a:r>
+              <a:rPr lang="en-GB" dirty="0" smtClean="0">
+                <a:solidFill>
+                  <a:srgbClr val="0000FF"/>
+                </a:solidFill>
+              </a:rPr>
+              <a:t>ARTICLE</a:t>
+            </a:r>
+            <a:endParaRPr lang="en-US" dirty="0">
+              <a:solidFill>
+                <a:srgbClr val="0000FF"/>
+              </a:solidFill>
+            </a:endParaRPr>
+          </a:p>
+        </p:txBody>
+      </p:sp>
+      <p:sp>
+        <p:nvSpPr>
+          <p:cNvPr id="8" name="TextBox 7"/>
+          <p:cNvSpPr txBox="1"/>
+          <p:nvPr/>
+        </p:nvSpPr>
+        <p:spPr>
+          <a:xfrm>
+            <a:off x="5443382" y="5650329"/>
+            <a:ext cx="1532511" cy="369332"/>
+          </a:xfrm>
+          <a:prstGeom prst="rect">
+            <a:avLst/>
+          </a:prstGeom>
+          <a:noFill/>
+        </p:spPr>
+        <p:txBody>
+          <a:bodyPr wrap="square" rtlCol="0">
+            <a:spAutoFit/>
+          </a:bodyPr>
+          <a:lstStyle/>
+          <a:p>
+            <a:pPr algn="ctr"/>
+            <a:r>
+              <a:rPr lang="en-GB" dirty="0" smtClean="0">
+                <a:solidFill>
+                  <a:srgbClr val="0000FF"/>
+                </a:solidFill>
+              </a:rPr>
+              <a:t>FOOTER</a:t>
+            </a:r>
+            <a:endParaRPr lang="en-US" dirty="0">
+              <a:solidFill>
+                <a:srgbClr val="0000FF"/>
+              </a:solidFill>
+            </a:endParaRPr>
+          </a:p>
+        </p:txBody>
+      </p:sp>
+      <p:sp>
+        <p:nvSpPr>
+          <p:cNvPr id="9" name="TextBox 8"/>
+          <p:cNvSpPr txBox="1"/>
+          <p:nvPr/>
+        </p:nvSpPr>
+        <p:spPr>
+          <a:xfrm>
+            <a:off x="897262" y="3303944"/>
+            <a:ext cx="1532511" cy="369332"/>
+          </a:xfrm>
+          <a:prstGeom prst="rect">
+            <a:avLst/>
+          </a:prstGeom>
+          <a:noFill/>
+        </p:spPr>
+        <p:txBody>
+          <a:bodyPr wrap="square" rtlCol="0">
+            <a:spAutoFit/>
+          </a:bodyPr>
+          <a:lstStyle/>
+          <a:p>
+            <a:pPr algn="ctr"/>
+            <a:r>
+              <a:rPr lang="en-GB" dirty="0" smtClean="0">
+                <a:solidFill>
+                  <a:srgbClr val="0000FF"/>
+                </a:solidFill>
+              </a:rPr>
+              <a:t>WRAPPER</a:t>
+            </a:r>
+            <a:endParaRPr lang="en-US" dirty="0">
+              <a:solidFill>
+                <a:srgbClr val="0000FF"/>
+              </a:solidFill>
+            </a:endParaRPr>
+          </a:p>
+        </p:txBody>
+      </p:sp>
+      <p:sp>
+        <p:nvSpPr>
+          <p:cNvPr id="10" name="Left Brace 9"/>
+          <p:cNvSpPr/>
+          <p:nvPr/>
+        </p:nvSpPr>
+        <p:spPr>
+          <a:xfrm>
+            <a:off x="2139350" y="491706"/>
+            <a:ext cx="655607" cy="5960852"/>
+          </a:xfrm>
+          <a:prstGeom prst="leftBrace">
+            <a:avLst/>
+          </a:prstGeom>
+        </p:spPr>
+        <p:style>
+          <a:lnRef idx="1">
+            <a:schemeClr val="accent1"/>
+          </a:lnRef>
+          <a:fillRef idx="0">
+            <a:schemeClr val="accent1"/>
+          </a:fillRef>
+          <a:effectRef idx="0">
+            <a:schemeClr val="accent1"/>
+          </a:effectRef>
+          <a:fontRef idx="minor">
+            <a:schemeClr val="tx1"/>
+          </a:fontRef>
+        </p:style>
+        <p:txBody>
+          <a:bodyPr rtlCol="0" anchor="ctr"/>
+          <a:lstStyle/>
+          <a:p>
+            <a:pPr algn="ctr"/>
+            <a:endParaRPr lang="en-US"/>
+          </a:p>
+        </p:txBody>
+      </p:sp>
+      <p:sp>
+        <p:nvSpPr>
+          <p:cNvPr id="11" name="TextBox 10"/>
+          <p:cNvSpPr txBox="1"/>
+          <p:nvPr/>
+        </p:nvSpPr>
+        <p:spPr>
+          <a:xfrm>
+            <a:off x="10093013" y="4088947"/>
+            <a:ext cx="1532511" cy="369332"/>
+          </a:xfrm>
+          <a:prstGeom prst="rect">
+            <a:avLst/>
+          </a:prstGeom>
+          <a:noFill/>
+        </p:spPr>
+        <p:txBody>
+          <a:bodyPr wrap="square" rtlCol="0">
+            <a:spAutoFit/>
+          </a:bodyPr>
+          <a:lstStyle/>
+          <a:p>
+            <a:pPr algn="ctr"/>
+            <a:r>
+              <a:rPr lang="en-GB" dirty="0" smtClean="0">
+                <a:solidFill>
+                  <a:srgbClr val="0000FF"/>
+                </a:solidFill>
+              </a:rPr>
+              <a:t>SECTION</a:t>
+            </a:r>
+            <a:endParaRPr lang="en-US" dirty="0">
+              <a:solidFill>
+                <a:srgbClr val="0000FF"/>
+              </a:solidFill>
+            </a:endParaRPr>
+          </a:p>
+        </p:txBody>
+      </p:sp>
+      <p:sp>
+        <p:nvSpPr>
+          <p:cNvPr id="12" name="Right Brace 11"/>
+          <p:cNvSpPr/>
+          <p:nvPr/>
+        </p:nvSpPr>
+        <p:spPr>
+          <a:xfrm>
+            <a:off x="9618452" y="3053751"/>
+            <a:ext cx="776377" cy="2363638"/>
+          </a:xfrm>
+          <a:prstGeom prst="rightBrace">
+            <a:avLst/>
+          </a:prstGeom>
+        </p:spPr>
+        <p:style>
+          <a:lnRef idx="1">
+            <a:schemeClr val="accent1"/>
+          </a:lnRef>
+          <a:fillRef idx="0">
+            <a:schemeClr val="accent1"/>
+          </a:fillRef>
+          <a:effectRef idx="0">
+            <a:schemeClr val="accent1"/>
+          </a:effectRef>
+          <a:fontRef idx="minor">
+            <a:schemeClr val="tx1"/>
+          </a:fontRef>
+        </p:style>
+        <p:txBody>
+          <a:bodyPr rtlCol="0" anchor="ctr"/>
+          <a:lstStyle/>
+          <a:p>
+            <a:pPr algn="ctr"/>
+            <a:endParaRPr lang="en-US"/>
+          </a:p>
+        </p:txBody>
+      </p:sp>
     </p:spTree>
     <p:extLst>
       <p:ext uri="{BB962C8B-B14F-4D97-AF65-F5344CB8AC3E}">
-        <p14:creationId xmlns:p14="http://schemas.microsoft.com/office/powerpoint/2010/main" val="2250586962"/>
+        <p14:creationId xmlns:p14="http://schemas.microsoft.com/office/powerpoint/2010/main" xmlns="" val="2250586962"/>
       </p:ext>
     </p:extLst>
   </p:cSld>
@@ -3055,7 +3428,7 @@
     </a:clrScheme>
     <a:fontScheme name="Office">
       <a:majorFont>
-        <a:latin typeface="Calibri Light" panose="020F0302020204030204"/>
+        <a:latin typeface="Calibri Light"/>
         <a:ea typeface=""/>
         <a:cs typeface=""/>
         <a:font script="Jpan" typeface="ＭＳ Ｐゴシック"/>
@@ -3090,7 +3463,7 @@
         <a:font script="Geor" typeface="Sylfaen"/>
       </a:majorFont>
       <a:minorFont>
-        <a:latin typeface="Calibri" panose="020F0502020204030204"/>
+        <a:latin typeface="Calibri"/>
         <a:ea typeface=""/>
         <a:cs typeface=""/>
         <a:font script="Jpan" typeface="ＭＳ Ｐゴシック"/>
@@ -3267,7 +3640,7 @@
   <a:extraClrSchemeLst/>
   <a:extLst>
     <a:ext uri="{05A4C25C-085E-4340-85A3-A5531E510DB2}">
-      <thm15:themeFamily xmlns:thm15="http://schemas.microsoft.com/office/thememl/2012/main" name="Office Theme" id="{62F939B6-93AF-4DB8-9C6B-D6C7DFDC589F}" vid="{4A3C46E8-61CC-4603-A589-7422A47A8E4A}"/>
+      <thm15:themeFamily xmlns:thm15="http://schemas.microsoft.com/office/thememl/2012/main" xmlns="" name="Office Theme" id="{62F939B6-93AF-4DB8-9C6B-D6C7DFDC589F}" vid="{4A3C46E8-61CC-4603-A589-7422A47A8E4A}"/>
     </a:ext>
   </a:extLst>
 </a:theme>
